--- a/docs/eGuard-Presentation-Milestone2.pptx
+++ b/docs/eGuard-Presentation-Milestone2.pptx
@@ -5,21 +5,25 @@
     <p:sldMasterId id="2147483648" r:id="rId1"/>
   </p:sldMasterIdLst>
   <p:notesMasterIdLst>
-    <p:notesMasterId r:id="rId14"/>
+    <p:notesMasterId r:id="rId18"/>
   </p:notesMasterIdLst>
   <p:sldIdLst>
     <p:sldId id="256" r:id="rId2"/>
     <p:sldId id="257" r:id="rId3"/>
-    <p:sldId id="264" r:id="rId4"/>
-    <p:sldId id="267" r:id="rId5"/>
-    <p:sldId id="258" r:id="rId6"/>
-    <p:sldId id="259" r:id="rId7"/>
-    <p:sldId id="260" r:id="rId8"/>
-    <p:sldId id="262" r:id="rId9"/>
-    <p:sldId id="268" r:id="rId10"/>
-    <p:sldId id="266" r:id="rId11"/>
-    <p:sldId id="263" r:id="rId12"/>
-    <p:sldId id="265" r:id="rId13"/>
+    <p:sldId id="273" r:id="rId4"/>
+    <p:sldId id="274" r:id="rId5"/>
+    <p:sldId id="279" r:id="rId6"/>
+    <p:sldId id="275" r:id="rId7"/>
+    <p:sldId id="276" r:id="rId8"/>
+    <p:sldId id="272" r:id="rId9"/>
+    <p:sldId id="270" r:id="rId10"/>
+    <p:sldId id="271" r:id="rId11"/>
+    <p:sldId id="269" r:id="rId12"/>
+    <p:sldId id="266" r:id="rId13"/>
+    <p:sldId id="277" r:id="rId14"/>
+    <p:sldId id="263" r:id="rId15"/>
+    <p:sldId id="265" r:id="rId16"/>
+    <p:sldId id="278" r:id="rId17"/>
   </p:sldIdLst>
   <p:sldSz cx="12192000" cy="6858000"/>
   <p:notesSz cx="6858000" cy="9144000"/>
@@ -118,6 +122,11 @@
       </a:defRPr>
     </a:lvl9pPr>
   </p:defaultTextStyle>
+  <p:extLst>
+    <p:ext uri="{EFAFB233-063F-42B5-8137-9DF3F51BA10A}">
+      <p15:sldGuideLst xmlns:p15="http://schemas.microsoft.com/office/powerpoint/2012/main"/>
+    </p:ext>
+  </p:extLst>
 </p:presentation>
 </file>
 
@@ -6371,14 +6380,35 @@
             <p:ph type="ctrTitle"/>
           </p:nvPr>
         </p:nvSpPr>
-        <p:spPr/>
+        <p:spPr>
+          <a:xfrm>
+            <a:off x="1154955" y="1447800"/>
+            <a:ext cx="9228298" cy="2342147"/>
+          </a:xfrm>
+        </p:spPr>
         <p:txBody>
           <a:bodyPr/>
           <a:lstStyle/>
           <a:p>
+            <a:pPr algn="ctr"/>
             <a:r>
               <a:rPr lang="en-US" dirty="0" smtClean="0"/>
-              <a:t>CYBR 8080 -eGuard</a:t>
+              <a:t>eGuard </a:t>
+            </a:r>
+            <a:r>
+              <a:rPr lang="mr-IN" dirty="0" smtClean="0"/>
+              <a:t>–</a:t>
+            </a:r>
+            <a:r>
+              <a:rPr lang="en-US" dirty="0" smtClean="0"/>
+              <a:t> </a:t>
+            </a:r>
+            <a:br>
+              <a:rPr lang="en-US" dirty="0" smtClean="0"/>
+            </a:br>
+            <a:r>
+              <a:rPr lang="en-US" dirty="0" smtClean="0"/>
+              <a:t>Fall Detector</a:t>
             </a:r>
             <a:endParaRPr lang="en-US" dirty="0"/>
           </a:p>
@@ -6396,12 +6426,28 @@
         </p:nvSpPr>
         <p:spPr/>
         <p:txBody>
-          <a:bodyPr/>
+          <a:bodyPr>
+            <a:normAutofit fontScale="85000" lnSpcReduction="10000"/>
+          </a:bodyPr>
           <a:lstStyle/>
           <a:p>
             <a:r>
               <a:rPr lang="en-US" dirty="0" smtClean="0"/>
-              <a:t>project MILESTONE 2</a:t>
+              <a:t>project MILESTONE </a:t>
+            </a:r>
+            <a:r>
+              <a:rPr lang="en-US" dirty="0" smtClean="0"/>
+              <a:t>2</a:t>
+            </a:r>
+          </a:p>
+          <a:p>
+            <a:r>
+              <a:rPr lang="en-US" dirty="0"/>
+              <a:t>	</a:t>
+            </a:r>
+            <a:r>
+              <a:rPr lang="en-US" dirty="0" smtClean="0"/>
+              <a:t>										- Narahari Sundaragopalan</a:t>
             </a:r>
             <a:endParaRPr lang="en-US" dirty="0"/>
           </a:p>
@@ -6417,6 +6463,13 @@
   <p:clrMapOvr>
     <a:masterClrMapping/>
   </p:clrMapOvr>
+  <p:timing>
+    <p:tnLst>
+      <p:par>
+        <p:cTn id="1" dur="indefinite" restart="never" nodeType="tmRoot"/>
+      </p:par>
+    </p:tnLst>
+  </p:timing>
 </p:sld>
 </file>
 
@@ -6447,19 +6500,14 @@
             <p:ph type="title"/>
           </p:nvPr>
         </p:nvSpPr>
-        <p:spPr>
-          <a:xfrm>
-            <a:off x="646111" y="452718"/>
-            <a:ext cx="9404723" cy="1083982"/>
-          </a:xfrm>
-        </p:spPr>
+        <p:spPr/>
         <p:txBody>
           <a:bodyPr/>
           <a:lstStyle/>
           <a:p>
             <a:r>
               <a:rPr lang="en-US" dirty="0" smtClean="0"/>
-              <a:t>Threshold Value Calculation</a:t>
+              <a:t>User Story 3 </a:t>
             </a:r>
             <a:endParaRPr lang="en-US" dirty="0"/>
           </a:p>
@@ -6475,173 +6523,57 @@
             <p:ph idx="1"/>
           </p:nvPr>
         </p:nvSpPr>
-        <p:spPr>
-          <a:xfrm>
-            <a:off x="646111" y="1853248"/>
-            <a:ext cx="9403742" cy="4195481"/>
-          </a:xfrm>
-        </p:spPr>
+        <p:spPr/>
         <p:txBody>
           <a:bodyPr/>
           <a:lstStyle/>
           <a:p>
             <a:r>
+              <a:rPr lang="en-US" b="1" dirty="0"/>
+              <a:t>User Story 3</a:t>
+            </a:r>
+            <a:endParaRPr lang="en-US" dirty="0"/>
+          </a:p>
+          <a:p>
+            <a:pPr lvl="1"/>
+            <a:r>
+              <a:rPr lang="en-US" dirty="0"/>
+              <a:t>As a user, I want to know if the user's transition indicates a fall and the application should </a:t>
+            </a:r>
+            <a:r>
               <a:rPr lang="en-US" dirty="0" smtClean="0"/>
-              <a:t>Magnitude of Acceleration = </a:t>
-            </a:r>
+              <a:t>send an </a:t>
+            </a:r>
+            <a:r>
+              <a:rPr lang="en-US" dirty="0"/>
+              <a:t>emergency </a:t>
+            </a:r>
+            <a:r>
+              <a:rPr lang="en-US" dirty="0" smtClean="0"/>
+              <a:t>alert SMS</a:t>
+            </a:r>
+            <a:endParaRPr lang="en-US" dirty="0"/>
+          </a:p>
+          <a:p>
+            <a:r>
+              <a:rPr lang="en-US" b="1" dirty="0"/>
+              <a:t>Acceptance Criteria</a:t>
+            </a:r>
+            <a:endParaRPr lang="en-US" dirty="0"/>
           </a:p>
           <a:p>
             <a:pPr lvl="1"/>
             <a:r>
               <a:rPr lang="en-US" dirty="0"/>
-              <a:t>S</a:t>
+              <a:t>Application should monitor the user acceleration and correctly indicate, if the user has fallen, based on sudden increase in acceleration by checking a threshold </a:t>
             </a:r>
             <a:r>
               <a:rPr lang="en-US" dirty="0" smtClean="0"/>
-              <a:t>quare </a:t>
-            </a:r>
-            <a:r>
-              <a:rPr lang="en-US" dirty="0"/>
-              <a:t>R</a:t>
-            </a:r>
-            <a:r>
-              <a:rPr lang="en-US" dirty="0" smtClean="0"/>
-              <a:t>oot </a:t>
-            </a:r>
-            <a:r>
-              <a:rPr lang="en-US" dirty="0"/>
-              <a:t>of the </a:t>
-            </a:r>
-            <a:r>
-              <a:rPr lang="en-US" dirty="0" smtClean="0"/>
-              <a:t>Sum </a:t>
-            </a:r>
-            <a:r>
-              <a:rPr lang="en-US" dirty="0"/>
-              <a:t>of the </a:t>
-            </a:r>
-            <a:r>
-              <a:rPr lang="en-US" dirty="0" smtClean="0"/>
-              <a:t>Squares </a:t>
-            </a:r>
-            <a:r>
-              <a:rPr lang="en-US" dirty="0"/>
-              <a:t>of the </a:t>
-            </a:r>
-            <a:r>
-              <a:rPr lang="en-US" dirty="0" smtClean="0"/>
-              <a:t>values </a:t>
-            </a:r>
-            <a:r>
-              <a:rPr lang="en-US" dirty="0"/>
-              <a:t>in each of the axes of the accelerometer</a:t>
-            </a:r>
-            <a:r>
-              <a:rPr lang="en-US" dirty="0" smtClean="0"/>
-              <a:t>. </a:t>
-            </a:r>
-          </a:p>
-          <a:p>
-            <a:pPr lvl="1"/>
-            <a:r>
-              <a:rPr lang="en-US" dirty="0" smtClean="0"/>
-              <a:t>Acceleration = { Square Root of ( X</a:t>
-            </a:r>
-            <a:r>
-              <a:rPr lang="en-US" baseline="30000" dirty="0" smtClean="0"/>
-              <a:t>2 </a:t>
-            </a:r>
-            <a:r>
-              <a:rPr lang="en-US" dirty="0" smtClean="0"/>
-              <a:t>+ Y</a:t>
-            </a:r>
-            <a:r>
-              <a:rPr lang="en-US" baseline="30000" dirty="0" smtClean="0"/>
-              <a:t>2</a:t>
-            </a:r>
-            <a:r>
-              <a:rPr lang="en-US" dirty="0" smtClean="0"/>
-              <a:t> + Z</a:t>
-            </a:r>
-            <a:r>
-              <a:rPr lang="en-US" baseline="30000" dirty="0" smtClean="0"/>
-              <a:t>2</a:t>
-            </a:r>
-            <a:r>
-              <a:rPr lang="en-US" dirty="0" smtClean="0"/>
-              <a:t> ) }</a:t>
-            </a:r>
-          </a:p>
-          <a:p>
-            <a:pPr lvl="2"/>
-            <a:r>
-              <a:rPr lang="en-US" dirty="0" smtClean="0"/>
-              <a:t>X </a:t>
-            </a:r>
-            <a:r>
-              <a:rPr lang="mr-IN" dirty="0" smtClean="0"/>
-              <a:t>–</a:t>
-            </a:r>
-            <a:r>
-              <a:rPr lang="en-US" dirty="0" smtClean="0"/>
-              <a:t> Reading in X-Axis of Accelerometer</a:t>
-            </a:r>
-          </a:p>
-          <a:p>
-            <a:pPr lvl="2"/>
-            <a:r>
-              <a:rPr lang="en-US" dirty="0" smtClean="0"/>
-              <a:t>Y </a:t>
-            </a:r>
-            <a:r>
-              <a:rPr lang="mr-IN" dirty="0"/>
-              <a:t>–</a:t>
-            </a:r>
-            <a:r>
-              <a:rPr lang="en-US" dirty="0"/>
-              <a:t> Reading in </a:t>
-            </a:r>
-            <a:r>
-              <a:rPr lang="en-US" dirty="0" smtClean="0"/>
-              <a:t>Y-Axis </a:t>
-            </a:r>
-            <a:r>
-              <a:rPr lang="en-US" dirty="0"/>
-              <a:t>of Accelerometer</a:t>
-            </a:r>
-          </a:p>
-          <a:p>
-            <a:pPr lvl="2"/>
-            <a:r>
-              <a:rPr lang="en-US" dirty="0" smtClean="0"/>
-              <a:t>Z </a:t>
-            </a:r>
-            <a:r>
-              <a:rPr lang="mr-IN" dirty="0"/>
-              <a:t>–</a:t>
-            </a:r>
-            <a:r>
-              <a:rPr lang="en-US" dirty="0"/>
-              <a:t> Reading in </a:t>
-            </a:r>
-            <a:r>
-              <a:rPr lang="en-US" dirty="0" smtClean="0"/>
-              <a:t>Z-Axis </a:t>
-            </a:r>
-            <a:r>
-              <a:rPr lang="en-US" dirty="0"/>
-              <a:t>of </a:t>
-            </a:r>
-            <a:r>
-              <a:rPr lang="en-US" dirty="0" smtClean="0"/>
-              <a:t>Accelerometer</a:t>
-            </a:r>
-          </a:p>
-          <a:p>
-            <a:r>
-              <a:rPr lang="en-US" dirty="0" smtClean="0"/>
-              <a:t>Threshold Values for all cases are specified in the Table </a:t>
-            </a:r>
+              <a:t>value, and send an SMS to emergency contact</a:t>
+            </a:r>
+            <a:endParaRPr lang="en-US" dirty="0"/>
+          </a:p>
+          <a:p>
             <a:endParaRPr lang="en-US" dirty="0"/>
           </a:p>
         </p:txBody>
@@ -6649,13 +6581,20 @@
     </p:spTree>
     <p:extLst>
       <p:ext uri="{BB962C8B-B14F-4D97-AF65-F5344CB8AC3E}">
-        <p14:creationId xmlns:p14="http://schemas.microsoft.com/office/powerpoint/2010/main" val="1768314503"/>
+        <p14:creationId xmlns:p14="http://schemas.microsoft.com/office/powerpoint/2010/main" val="1533911357"/>
       </p:ext>
     </p:extLst>
   </p:cSld>
   <p:clrMapOvr>
     <a:masterClrMapping/>
   </p:clrMapOvr>
+  <p:timing>
+    <p:tnLst>
+      <p:par>
+        <p:cTn id="1" dur="indefinite" restart="never" nodeType="tmRoot"/>
+      </p:par>
+    </p:tnLst>
+  </p:timing>
 </p:sld>
 </file>
 
@@ -6686,82 +6625,66 @@
             <p:ph type="title"/>
           </p:nvPr>
         </p:nvSpPr>
+        <p:spPr/>
+        <p:txBody>
+          <a:bodyPr/>
+          <a:lstStyle/>
+          <a:p>
+            <a:r>
+              <a:rPr lang="en-US" dirty="0" smtClean="0"/>
+              <a:t>Architecture</a:t>
+            </a:r>
+            <a:endParaRPr lang="en-US" dirty="0"/>
+          </a:p>
+        </p:txBody>
+      </p:sp>
+      <p:pic>
+        <p:nvPicPr>
+          <p:cNvPr id="4" name="Picture 3"/>
+          <p:cNvPicPr>
+            <a:picLocks noChangeAspect="1"/>
+          </p:cNvPicPr>
+          <p:nvPr/>
+        </p:nvPicPr>
+        <p:blipFill>
+          <a:blip r:embed="rId2">
+            <a:extLst>
+              <a:ext uri="{28A0092B-C50C-407E-A947-70E740481C1C}">
+                <a14:useLocalDpi xmlns:a14="http://schemas.microsoft.com/office/drawing/2010/main" val="0"/>
+              </a:ext>
+            </a:extLst>
+          </a:blip>
+          <a:stretch>
+            <a:fillRect/>
+          </a:stretch>
+        </p:blipFill>
         <p:spPr>
           <a:xfrm>
-            <a:off x="646111" y="452718"/>
-            <a:ext cx="9404723" cy="995082"/>
-          </a:xfrm>
-        </p:spPr>
-        <p:txBody>
-          <a:bodyPr/>
-          <a:lstStyle/>
-          <a:p>
-            <a:r>
-              <a:rPr lang="en-US" dirty="0" smtClean="0"/>
-              <a:t>As part of Milestone 2</a:t>
-            </a:r>
-            <a:endParaRPr lang="en-US" dirty="0"/>
-          </a:p>
-        </p:txBody>
-      </p:sp>
-      <p:sp>
-        <p:nvSpPr>
-          <p:cNvPr id="3" name="Content Placeholder 2"/>
-          <p:cNvSpPr>
-            <a:spLocks noGrp="1"/>
-          </p:cNvSpPr>
-          <p:nvPr>
-            <p:ph idx="1"/>
-          </p:nvPr>
-        </p:nvSpPr>
-        <p:spPr>
-          <a:xfrm>
-            <a:off x="1103312" y="1447800"/>
-            <a:ext cx="8946541" cy="4800599"/>
-          </a:xfrm>
-        </p:spPr>
-        <p:txBody>
-          <a:bodyPr/>
-          <a:lstStyle/>
-          <a:p>
-            <a:r>
-              <a:rPr lang="en-US" dirty="0" smtClean="0"/>
-              <a:t>As </a:t>
-            </a:r>
-            <a:r>
-              <a:rPr lang="en-US" dirty="0"/>
-              <a:t>specified in User Story </a:t>
-            </a:r>
-            <a:r>
-              <a:rPr lang="en-US" dirty="0" smtClean="0"/>
-              <a:t>1, I tracked different user movements and corresponding patterns, such as Sitting (Straight &amp; Fallback), Lie Down(Straight &amp; Sideways), Falling, Standing, Walking.</a:t>
-            </a:r>
-          </a:p>
-          <a:p>
-            <a:r>
-              <a:rPr lang="en-US" dirty="0" smtClean="0"/>
-              <a:t>As specified in User Story 2, I detected the transitions from one type of movement to another, and calculated the change in acceleration.</a:t>
-            </a:r>
-          </a:p>
-          <a:p>
-            <a:r>
-              <a:rPr lang="en-US" dirty="0" smtClean="0"/>
-              <a:t>As specified in User Story 3, I calculated a threshold value, for a fall scenario, for the application to compare and raise an alert in such a case.</a:t>
-            </a:r>
-            <a:endParaRPr lang="en-US" dirty="0"/>
-          </a:p>
-        </p:txBody>
-      </p:sp>
+            <a:off x="646111" y="1298074"/>
+            <a:ext cx="10058400" cy="5305989"/>
+          </a:xfrm>
+          <a:prstGeom prst="rect">
+            <a:avLst/>
+          </a:prstGeom>
+        </p:spPr>
+      </p:pic>
     </p:spTree>
     <p:extLst>
       <p:ext uri="{BB962C8B-B14F-4D97-AF65-F5344CB8AC3E}">
-        <p14:creationId xmlns:p14="http://schemas.microsoft.com/office/powerpoint/2010/main" val="931004788"/>
+        <p14:creationId xmlns:p14="http://schemas.microsoft.com/office/powerpoint/2010/main" val="979214441"/>
       </p:ext>
     </p:extLst>
   </p:cSld>
   <p:clrMapOvr>
     <a:masterClrMapping/>
   </p:clrMapOvr>
+  <p:timing>
+    <p:tnLst>
+      <p:par>
+        <p:cTn id="1" dur="indefinite" restart="never" nodeType="tmRoot"/>
+      </p:par>
+    </p:tnLst>
+  </p:timing>
 </p:sld>
 </file>
 
@@ -6795,6 +6718,494 @@
         <p:spPr>
           <a:xfrm>
             <a:off x="646111" y="452718"/>
+            <a:ext cx="9404723" cy="1083982"/>
+          </a:xfrm>
+        </p:spPr>
+        <p:txBody>
+          <a:bodyPr/>
+          <a:lstStyle/>
+          <a:p>
+            <a:r>
+              <a:rPr lang="en-US" dirty="0" smtClean="0"/>
+              <a:t>Threshold Value Calculation</a:t>
+            </a:r>
+            <a:endParaRPr lang="en-US" dirty="0"/>
+          </a:p>
+        </p:txBody>
+      </p:sp>
+      <p:sp>
+        <p:nvSpPr>
+          <p:cNvPr id="3" name="Content Placeholder 2"/>
+          <p:cNvSpPr>
+            <a:spLocks noGrp="1"/>
+          </p:cNvSpPr>
+          <p:nvPr>
+            <p:ph idx="1"/>
+          </p:nvPr>
+        </p:nvSpPr>
+        <p:spPr>
+          <a:xfrm>
+            <a:off x="646111" y="1853248"/>
+            <a:ext cx="9403742" cy="4195481"/>
+          </a:xfrm>
+        </p:spPr>
+        <p:txBody>
+          <a:bodyPr/>
+          <a:lstStyle/>
+          <a:p>
+            <a:r>
+              <a:rPr lang="en-US" dirty="0" smtClean="0"/>
+              <a:t>Magnitude of </a:t>
+            </a:r>
+            <a:r>
+              <a:rPr lang="en-US" dirty="0" smtClean="0"/>
+              <a:t>Acceleration (in terms of “g”) </a:t>
+            </a:r>
+            <a:r>
+              <a:rPr lang="en-US" dirty="0" smtClean="0"/>
+              <a:t>= </a:t>
+            </a:r>
+          </a:p>
+          <a:p>
+            <a:pPr lvl="1"/>
+            <a:r>
+              <a:rPr lang="en-US" dirty="0"/>
+              <a:t>S</a:t>
+            </a:r>
+            <a:r>
+              <a:rPr lang="en-US" dirty="0" smtClean="0"/>
+              <a:t>quare </a:t>
+            </a:r>
+            <a:r>
+              <a:rPr lang="en-US" dirty="0"/>
+              <a:t>R</a:t>
+            </a:r>
+            <a:r>
+              <a:rPr lang="en-US" dirty="0" smtClean="0"/>
+              <a:t>oot </a:t>
+            </a:r>
+            <a:r>
+              <a:rPr lang="en-US" dirty="0"/>
+              <a:t>of the </a:t>
+            </a:r>
+            <a:r>
+              <a:rPr lang="en-US" dirty="0" smtClean="0"/>
+              <a:t>Sum </a:t>
+            </a:r>
+            <a:r>
+              <a:rPr lang="en-US" dirty="0"/>
+              <a:t>of the </a:t>
+            </a:r>
+            <a:r>
+              <a:rPr lang="en-US" dirty="0" smtClean="0"/>
+              <a:t>Squares </a:t>
+            </a:r>
+            <a:r>
+              <a:rPr lang="en-US" dirty="0"/>
+              <a:t>of the </a:t>
+            </a:r>
+            <a:r>
+              <a:rPr lang="en-US" dirty="0" smtClean="0"/>
+              <a:t>values </a:t>
+            </a:r>
+            <a:r>
+              <a:rPr lang="en-US" dirty="0"/>
+              <a:t>in each of the axes of the accelerometer</a:t>
+            </a:r>
+            <a:r>
+              <a:rPr lang="en-US" dirty="0" smtClean="0"/>
+              <a:t>. </a:t>
+            </a:r>
+          </a:p>
+          <a:p>
+            <a:pPr lvl="1"/>
+            <a:r>
+              <a:rPr lang="en-US" dirty="0" smtClean="0"/>
+              <a:t>Acceleration = { Square Root of ( X</a:t>
+            </a:r>
+            <a:r>
+              <a:rPr lang="en-US" baseline="30000" dirty="0" smtClean="0"/>
+              <a:t>2 </a:t>
+            </a:r>
+            <a:r>
+              <a:rPr lang="en-US" dirty="0" smtClean="0"/>
+              <a:t>+ Y</a:t>
+            </a:r>
+            <a:r>
+              <a:rPr lang="en-US" baseline="30000" dirty="0" smtClean="0"/>
+              <a:t>2</a:t>
+            </a:r>
+            <a:r>
+              <a:rPr lang="en-US" dirty="0" smtClean="0"/>
+              <a:t> + Z</a:t>
+            </a:r>
+            <a:r>
+              <a:rPr lang="en-US" baseline="30000" dirty="0" smtClean="0"/>
+              <a:t>2</a:t>
+            </a:r>
+            <a:r>
+              <a:rPr lang="en-US" dirty="0" smtClean="0"/>
+              <a:t> ) </a:t>
+            </a:r>
+            <a:r>
+              <a:rPr lang="en-US" dirty="0" smtClean="0"/>
+              <a:t>}  * g</a:t>
+            </a:r>
+            <a:endParaRPr lang="en-US" dirty="0" smtClean="0"/>
+          </a:p>
+          <a:p>
+            <a:pPr lvl="2"/>
+            <a:r>
+              <a:rPr lang="en-US" dirty="0" smtClean="0"/>
+              <a:t>X </a:t>
+            </a:r>
+            <a:r>
+              <a:rPr lang="mr-IN" dirty="0" smtClean="0"/>
+              <a:t>–</a:t>
+            </a:r>
+            <a:r>
+              <a:rPr lang="en-US" dirty="0" smtClean="0"/>
+              <a:t> Reading in X-Axis of Accelerometer</a:t>
+            </a:r>
+          </a:p>
+          <a:p>
+            <a:pPr lvl="2"/>
+            <a:r>
+              <a:rPr lang="en-US" dirty="0" smtClean="0"/>
+              <a:t>Y </a:t>
+            </a:r>
+            <a:r>
+              <a:rPr lang="mr-IN" dirty="0"/>
+              <a:t>–</a:t>
+            </a:r>
+            <a:r>
+              <a:rPr lang="en-US" dirty="0"/>
+              <a:t> Reading in </a:t>
+            </a:r>
+            <a:r>
+              <a:rPr lang="en-US" dirty="0" smtClean="0"/>
+              <a:t>Y-Axis </a:t>
+            </a:r>
+            <a:r>
+              <a:rPr lang="en-US" dirty="0"/>
+              <a:t>of Accelerometer</a:t>
+            </a:r>
+          </a:p>
+          <a:p>
+            <a:pPr lvl="2"/>
+            <a:r>
+              <a:rPr lang="en-US" dirty="0" smtClean="0"/>
+              <a:t>Z </a:t>
+            </a:r>
+            <a:r>
+              <a:rPr lang="mr-IN" dirty="0"/>
+              <a:t>–</a:t>
+            </a:r>
+            <a:r>
+              <a:rPr lang="en-US" dirty="0"/>
+              <a:t> Reading in </a:t>
+            </a:r>
+            <a:r>
+              <a:rPr lang="en-US" dirty="0" smtClean="0"/>
+              <a:t>Z-Axis </a:t>
+            </a:r>
+            <a:r>
+              <a:rPr lang="en-US" dirty="0"/>
+              <a:t>of </a:t>
+            </a:r>
+            <a:r>
+              <a:rPr lang="en-US" dirty="0" smtClean="0"/>
+              <a:t>Accelerometer</a:t>
+            </a:r>
+          </a:p>
+          <a:p>
+            <a:pPr lvl="2"/>
+            <a:r>
+              <a:rPr lang="en-US" dirty="0" smtClean="0"/>
+              <a:t>g </a:t>
+            </a:r>
+            <a:r>
+              <a:rPr lang="mr-IN" dirty="0" smtClean="0"/>
+              <a:t>–</a:t>
+            </a:r>
+            <a:r>
+              <a:rPr lang="en-US" dirty="0" smtClean="0"/>
+              <a:t> Acceleration due to gravity (9.81 m/s</a:t>
+            </a:r>
+            <a:r>
+              <a:rPr lang="en-US" baseline="30000" dirty="0" smtClean="0"/>
+              <a:t>2</a:t>
+            </a:r>
+            <a:r>
+              <a:rPr lang="en-US" dirty="0" smtClean="0"/>
+              <a:t>)</a:t>
+            </a:r>
+            <a:endParaRPr lang="en-US" dirty="0" smtClean="0"/>
+          </a:p>
+          <a:p>
+            <a:r>
+              <a:rPr lang="en-US" dirty="0" smtClean="0"/>
+              <a:t>Threshold Values for all cases are specified in the Table </a:t>
+            </a:r>
+            <a:r>
+              <a:rPr lang="en-US" dirty="0" smtClean="0"/>
+              <a:t>in terms of ”g”</a:t>
+            </a:r>
+            <a:endParaRPr lang="en-US" dirty="0"/>
+          </a:p>
+        </p:txBody>
+      </p:sp>
+    </p:spTree>
+    <p:extLst>
+      <p:ext uri="{BB962C8B-B14F-4D97-AF65-F5344CB8AC3E}">
+        <p14:creationId xmlns:p14="http://schemas.microsoft.com/office/powerpoint/2010/main" val="1768314503"/>
+      </p:ext>
+    </p:extLst>
+  </p:cSld>
+  <p:clrMapOvr>
+    <a:masterClrMapping/>
+  </p:clrMapOvr>
+  <p:timing>
+    <p:tnLst>
+      <p:par>
+        <p:cTn id="1" dur="indefinite" restart="never" nodeType="tmRoot"/>
+      </p:par>
+    </p:tnLst>
+  </p:timing>
+</p:sld>
+</file>
+
+<file path=ppt/slides/slide13.xml><?xml version="1.0" encoding="utf-8"?>
+<p:sld xmlns:a="http://schemas.openxmlformats.org/drawingml/2006/main" xmlns:r="http://schemas.openxmlformats.org/officeDocument/2006/relationships" xmlns:p="http://schemas.openxmlformats.org/presentationml/2006/main">
+  <p:cSld>
+    <p:spTree>
+      <p:nvGrpSpPr>
+        <p:cNvPr id="1" name=""/>
+        <p:cNvGrpSpPr/>
+        <p:nvPr/>
+      </p:nvGrpSpPr>
+      <p:grpSpPr>
+        <a:xfrm>
+          <a:off x="0" y="0"/>
+          <a:ext cx="0" cy="0"/>
+          <a:chOff x="0" y="0"/>
+          <a:chExt cx="0" cy="0"/>
+        </a:xfrm>
+      </p:grpSpPr>
+      <p:sp>
+        <p:nvSpPr>
+          <p:cNvPr id="2" name="Title 1"/>
+          <p:cNvSpPr>
+            <a:spLocks noGrp="1"/>
+          </p:cNvSpPr>
+          <p:nvPr>
+            <p:ph type="title"/>
+          </p:nvPr>
+        </p:nvSpPr>
+        <p:spPr>
+          <a:xfrm>
+            <a:off x="646111" y="452718"/>
+            <a:ext cx="9404723" cy="1201911"/>
+          </a:xfrm>
+        </p:spPr>
+        <p:txBody>
+          <a:bodyPr/>
+          <a:lstStyle/>
+          <a:p>
+            <a:r>
+              <a:rPr lang="en-US" sz="3200" dirty="0" smtClean="0"/>
+              <a:t>Streaming Acceleration Data to detect Fall</a:t>
+            </a:r>
+            <a:endParaRPr lang="en-US" sz="3200" dirty="0"/>
+          </a:p>
+        </p:txBody>
+      </p:sp>
+      <p:pic>
+        <p:nvPicPr>
+          <p:cNvPr id="4" name="Picture 3"/>
+          <p:cNvPicPr>
+            <a:picLocks noChangeAspect="1"/>
+          </p:cNvPicPr>
+          <p:nvPr/>
+        </p:nvPicPr>
+        <p:blipFill>
+          <a:blip r:embed="rId2">
+            <a:extLst>
+              <a:ext uri="{28A0092B-C50C-407E-A947-70E740481C1C}">
+                <a14:useLocalDpi xmlns:a14="http://schemas.microsoft.com/office/drawing/2010/main" val="0"/>
+              </a:ext>
+            </a:extLst>
+          </a:blip>
+          <a:stretch>
+            <a:fillRect/>
+          </a:stretch>
+        </p:blipFill>
+        <p:spPr>
+          <a:xfrm>
+            <a:off x="493295" y="1407696"/>
+            <a:ext cx="10610090" cy="5185610"/>
+          </a:xfrm>
+          <a:prstGeom prst="rect">
+            <a:avLst/>
+          </a:prstGeom>
+        </p:spPr>
+      </p:pic>
+    </p:spTree>
+    <p:extLst>
+      <p:ext uri="{BB962C8B-B14F-4D97-AF65-F5344CB8AC3E}">
+        <p14:creationId xmlns:p14="http://schemas.microsoft.com/office/powerpoint/2010/main" val="1778587116"/>
+      </p:ext>
+    </p:extLst>
+  </p:cSld>
+  <p:clrMapOvr>
+    <a:masterClrMapping/>
+  </p:clrMapOvr>
+  <p:timing>
+    <p:tnLst>
+      <p:par>
+        <p:cTn id="1" dur="indefinite" restart="never" nodeType="tmRoot"/>
+      </p:par>
+    </p:tnLst>
+  </p:timing>
+</p:sld>
+</file>
+
+<file path=ppt/slides/slide14.xml><?xml version="1.0" encoding="utf-8"?>
+<p:sld xmlns:a="http://schemas.openxmlformats.org/drawingml/2006/main" xmlns:r="http://schemas.openxmlformats.org/officeDocument/2006/relationships" xmlns:p="http://schemas.openxmlformats.org/presentationml/2006/main">
+  <p:cSld>
+    <p:spTree>
+      <p:nvGrpSpPr>
+        <p:cNvPr id="1" name=""/>
+        <p:cNvGrpSpPr/>
+        <p:nvPr/>
+      </p:nvGrpSpPr>
+      <p:grpSpPr>
+        <a:xfrm>
+          <a:off x="0" y="0"/>
+          <a:ext cx="0" cy="0"/>
+          <a:chOff x="0" y="0"/>
+          <a:chExt cx="0" cy="0"/>
+        </a:xfrm>
+      </p:grpSpPr>
+      <p:sp>
+        <p:nvSpPr>
+          <p:cNvPr id="2" name="Title 1"/>
+          <p:cNvSpPr>
+            <a:spLocks noGrp="1"/>
+          </p:cNvSpPr>
+          <p:nvPr>
+            <p:ph type="title"/>
+          </p:nvPr>
+        </p:nvSpPr>
+        <p:spPr>
+          <a:xfrm>
+            <a:off x="646111" y="452718"/>
+            <a:ext cx="9404723" cy="1195608"/>
+          </a:xfrm>
+        </p:spPr>
+        <p:txBody>
+          <a:bodyPr/>
+          <a:lstStyle/>
+          <a:p>
+            <a:r>
+              <a:rPr lang="en-US" dirty="0" smtClean="0"/>
+              <a:t>To Be Done</a:t>
+            </a:r>
+            <a:endParaRPr lang="en-US" dirty="0"/>
+          </a:p>
+        </p:txBody>
+      </p:sp>
+      <p:sp>
+        <p:nvSpPr>
+          <p:cNvPr id="3" name="Content Placeholder 2"/>
+          <p:cNvSpPr>
+            <a:spLocks noGrp="1"/>
+          </p:cNvSpPr>
+          <p:nvPr>
+            <p:ph idx="1"/>
+          </p:nvPr>
+        </p:nvSpPr>
+        <p:spPr>
+          <a:xfrm>
+            <a:off x="1103312" y="1997242"/>
+            <a:ext cx="8946541" cy="4251157"/>
+          </a:xfrm>
+        </p:spPr>
+        <p:txBody>
+          <a:bodyPr/>
+          <a:lstStyle/>
+          <a:p>
+            <a:r>
+              <a:rPr lang="en-US" dirty="0" smtClean="0"/>
+              <a:t>Need to ensure connection to the device every time and test for false positives with actual fall case.</a:t>
+            </a:r>
+          </a:p>
+          <a:p>
+            <a:r>
+              <a:rPr lang="en-US" dirty="0" smtClean="0"/>
+              <a:t>Improve the Layout of the front-end of the application</a:t>
+            </a:r>
+            <a:endParaRPr lang="en-US" dirty="0"/>
+          </a:p>
+          <a:p>
+            <a:r>
+              <a:rPr lang="en-US" dirty="0" smtClean="0"/>
+              <a:t>Send an alert SMS when threshold is reached</a:t>
+            </a:r>
+            <a:endParaRPr lang="en-US" dirty="0"/>
+          </a:p>
+        </p:txBody>
+      </p:sp>
+    </p:spTree>
+    <p:extLst>
+      <p:ext uri="{BB962C8B-B14F-4D97-AF65-F5344CB8AC3E}">
+        <p14:creationId xmlns:p14="http://schemas.microsoft.com/office/powerpoint/2010/main" val="931004788"/>
+      </p:ext>
+    </p:extLst>
+  </p:cSld>
+  <p:clrMapOvr>
+    <a:masterClrMapping/>
+  </p:clrMapOvr>
+  <p:timing>
+    <p:tnLst>
+      <p:par>
+        <p:cTn id="1" dur="indefinite" restart="never" nodeType="tmRoot"/>
+      </p:par>
+    </p:tnLst>
+  </p:timing>
+</p:sld>
+</file>
+
+<file path=ppt/slides/slide15.xml><?xml version="1.0" encoding="utf-8"?>
+<p:sld xmlns:a="http://schemas.openxmlformats.org/drawingml/2006/main" xmlns:r="http://schemas.openxmlformats.org/officeDocument/2006/relationships" xmlns:p="http://schemas.openxmlformats.org/presentationml/2006/main">
+  <p:cSld>
+    <p:spTree>
+      <p:nvGrpSpPr>
+        <p:cNvPr id="1" name=""/>
+        <p:cNvGrpSpPr/>
+        <p:nvPr/>
+      </p:nvGrpSpPr>
+      <p:grpSpPr>
+        <a:xfrm>
+          <a:off x="0" y="0"/>
+          <a:ext cx="0" cy="0"/>
+          <a:chOff x="0" y="0"/>
+          <a:chExt cx="0" cy="0"/>
+        </a:xfrm>
+      </p:grpSpPr>
+      <p:sp>
+        <p:nvSpPr>
+          <p:cNvPr id="2" name="Title 1"/>
+          <p:cNvSpPr>
+            <a:spLocks noGrp="1"/>
+          </p:cNvSpPr>
+          <p:nvPr>
+            <p:ph type="title"/>
+          </p:nvPr>
+        </p:nvSpPr>
+        <p:spPr>
+          <a:xfrm>
+            <a:off x="646111" y="452718"/>
             <a:ext cx="9404723" cy="906182"/>
           </a:xfrm>
         </p:spPr>
@@ -6832,16 +7243,19 @@
           <a:p>
             <a:r>
               <a:rPr lang="en-US" dirty="0" smtClean="0"/>
-              <a:t>Losing connection with Metawear device intermittently, while testing</a:t>
-            </a:r>
-          </a:p>
-          <a:p>
+              <a:t>Losing connection with Metawear device intermittently, while </a:t>
+            </a:r>
             <a:r>
               <a:rPr lang="en-US" dirty="0" smtClean="0"/>
-              <a:t>Unable to connect to the Metawear device on a consistent basis</a:t>
-            </a:r>
-          </a:p>
-          <a:p>
+              <a:t>testing has hampered testing the transitions with my app</a:t>
+            </a:r>
+            <a:endParaRPr lang="en-US" dirty="0" smtClean="0"/>
+          </a:p>
+          <a:p>
+            <a:r>
+              <a:rPr lang="en-US" dirty="0" smtClean="0"/>
+              <a:t>Due to Loss in connection, application is not connecting every time and collecting the data for a proper demo</a:t>
+            </a:r>
             <a:endParaRPr lang="en-US" dirty="0"/>
           </a:p>
         </p:txBody>
@@ -6856,6 +7270,79 @@
   <p:clrMapOvr>
     <a:masterClrMapping/>
   </p:clrMapOvr>
+  <p:timing>
+    <p:tnLst>
+      <p:par>
+        <p:cTn id="1" dur="indefinite" restart="never" nodeType="tmRoot"/>
+      </p:par>
+    </p:tnLst>
+  </p:timing>
+</p:sld>
+</file>
+
+<file path=ppt/slides/slide16.xml><?xml version="1.0" encoding="utf-8"?>
+<p:sld xmlns:a="http://schemas.openxmlformats.org/drawingml/2006/main" xmlns:r="http://schemas.openxmlformats.org/officeDocument/2006/relationships" xmlns:p="http://schemas.openxmlformats.org/presentationml/2006/main">
+  <p:cSld>
+    <p:spTree>
+      <p:nvGrpSpPr>
+        <p:cNvPr id="1" name=""/>
+        <p:cNvGrpSpPr/>
+        <p:nvPr/>
+      </p:nvGrpSpPr>
+      <p:grpSpPr>
+        <a:xfrm>
+          <a:off x="0" y="0"/>
+          <a:ext cx="0" cy="0"/>
+          <a:chOff x="0" y="0"/>
+          <a:chExt cx="0" cy="0"/>
+        </a:xfrm>
+      </p:grpSpPr>
+      <p:sp>
+        <p:nvSpPr>
+          <p:cNvPr id="2" name="Title 1"/>
+          <p:cNvSpPr>
+            <a:spLocks noGrp="1"/>
+          </p:cNvSpPr>
+          <p:nvPr>
+            <p:ph type="title"/>
+          </p:nvPr>
+        </p:nvSpPr>
+        <p:spPr>
+          <a:xfrm>
+            <a:off x="1199564" y="2786844"/>
+            <a:ext cx="9404723" cy="1400530"/>
+          </a:xfrm>
+        </p:spPr>
+        <p:txBody>
+          <a:bodyPr/>
+          <a:lstStyle/>
+          <a:p>
+            <a:pPr algn="ctr"/>
+            <a:r>
+              <a:rPr lang="en-US" sz="4800" dirty="0" smtClean="0"/>
+              <a:t>Questions</a:t>
+            </a:r>
+            <a:endParaRPr lang="en-US" sz="4800" dirty="0"/>
+          </a:p>
+        </p:txBody>
+      </p:sp>
+    </p:spTree>
+    <p:extLst>
+      <p:ext uri="{BB962C8B-B14F-4D97-AF65-F5344CB8AC3E}">
+        <p14:creationId xmlns:p14="http://schemas.microsoft.com/office/powerpoint/2010/main" val="1299190081"/>
+      </p:ext>
+    </p:extLst>
+  </p:cSld>
+  <p:clrMapOvr>
+    <a:masterClrMapping/>
+  </p:clrMapOvr>
+  <p:timing>
+    <p:tnLst>
+      <p:par>
+        <p:cTn id="1" dur="indefinite" restart="never" nodeType="tmRoot"/>
+      </p:par>
+    </p:tnLst>
+  </p:timing>
 </p:sld>
 </file>
 
@@ -6928,7 +7415,23 @@
           <a:p>
             <a:r>
               <a:rPr lang="en-US" dirty="0" smtClean="0"/>
-              <a:t>Android application, which uses Metawear device for fall detection and emergency alerts</a:t>
+              <a:t>Android application</a:t>
+            </a:r>
+            <a:r>
+              <a:rPr lang="en-US" dirty="0" smtClean="0"/>
+              <a:t>, focused for elderly people, for </a:t>
+            </a:r>
+            <a:r>
+              <a:rPr lang="en-US" dirty="0" smtClean="0"/>
+              <a:t>fall detection and </a:t>
+            </a:r>
+            <a:r>
+              <a:rPr lang="en-US" dirty="0" smtClean="0"/>
+              <a:t>raise emergency </a:t>
+            </a:r>
+            <a:r>
+              <a:rPr lang="en-US" dirty="0" smtClean="0"/>
+              <a:t>alerts</a:t>
             </a:r>
           </a:p>
           <a:p>
@@ -6946,14 +7449,27 @@
           <a:p>
             <a:r>
               <a:rPr lang="en-US" dirty="0" smtClean="0"/>
-              <a:t>Continuously monitor transition of user movements from type to another</a:t>
-            </a:r>
-          </a:p>
-          <a:p>
+              <a:t>Continuously monitor transition of user movements from </a:t>
+            </a:r>
             <a:r>
               <a:rPr lang="en-US" dirty="0" smtClean="0"/>
-              <a:t>Calculate a threshold value for scenarios involving a fall</a:t>
-            </a:r>
+              <a:t>one type </a:t>
+            </a:r>
+            <a:r>
+              <a:rPr lang="en-US" dirty="0" smtClean="0"/>
+              <a:t>to another</a:t>
+            </a:r>
+          </a:p>
+          <a:p>
+            <a:r>
+              <a:rPr lang="en-US" dirty="0" smtClean="0"/>
+              <a:t>Calculate a threshold value for scenarios </a:t>
+            </a:r>
+            <a:r>
+              <a:rPr lang="en-US" dirty="0" smtClean="0"/>
+              <a:t>to differentiate a fall from normal movements.</a:t>
+            </a:r>
+            <a:endParaRPr lang="en-US" dirty="0" smtClean="0"/>
           </a:p>
           <a:p>
             <a:r>
@@ -6964,8 +7480,13 @@
           <a:p>
             <a:r>
               <a:rPr lang="en-US" dirty="0" smtClean="0"/>
-              <a:t>Raise an alert in case a fall is detected</a:t>
-            </a:r>
+              <a:t>Raise an alert in case a fall is </a:t>
+            </a:r>
+            <a:r>
+              <a:rPr lang="en-US" dirty="0" smtClean="0"/>
+              <a:t>detected.</a:t>
+            </a:r>
+            <a:endParaRPr lang="en-US" dirty="0" smtClean="0"/>
           </a:p>
         </p:txBody>
       </p:sp>
@@ -6979,342 +7500,17 @@
   <p:clrMapOvr>
     <a:masterClrMapping/>
   </p:clrMapOvr>
+  <p:timing>
+    <p:tnLst>
+      <p:par>
+        <p:cTn id="1" dur="indefinite" restart="never" nodeType="tmRoot"/>
+      </p:par>
+    </p:tnLst>
+  </p:timing>
 </p:sld>
 </file>
 
 <file path=ppt/slides/slide3.xml><?xml version="1.0" encoding="utf-8"?>
-<p:sld xmlns:a="http://schemas.openxmlformats.org/drawingml/2006/main" xmlns:r="http://schemas.openxmlformats.org/officeDocument/2006/relationships" xmlns:p="http://schemas.openxmlformats.org/presentationml/2006/main">
-  <p:cSld>
-    <p:spTree>
-      <p:nvGrpSpPr>
-        <p:cNvPr id="1" name=""/>
-        <p:cNvGrpSpPr/>
-        <p:nvPr/>
-      </p:nvGrpSpPr>
-      <p:grpSpPr>
-        <a:xfrm>
-          <a:off x="0" y="0"/>
-          <a:ext cx="0" cy="0"/>
-          <a:chOff x="0" y="0"/>
-          <a:chExt cx="0" cy="0"/>
-        </a:xfrm>
-      </p:grpSpPr>
-      <p:sp>
-        <p:nvSpPr>
-          <p:cNvPr id="2" name="Title 1"/>
-          <p:cNvSpPr>
-            <a:spLocks noGrp="1"/>
-          </p:cNvSpPr>
-          <p:nvPr>
-            <p:ph type="title"/>
-          </p:nvPr>
-        </p:nvSpPr>
-        <p:spPr>
-          <a:xfrm>
-            <a:off x="646112" y="135218"/>
-            <a:ext cx="9404723" cy="906182"/>
-          </a:xfrm>
-        </p:spPr>
-        <p:txBody>
-          <a:bodyPr/>
-          <a:lstStyle/>
-          <a:p>
-            <a:r>
-              <a:rPr lang="en-US" dirty="0" smtClean="0"/>
-              <a:t>User Stories - Recap</a:t>
-            </a:r>
-            <a:endParaRPr lang="en-US" dirty="0"/>
-          </a:p>
-        </p:txBody>
-      </p:sp>
-      <p:sp>
-        <p:nvSpPr>
-          <p:cNvPr id="3" name="Content Placeholder 2"/>
-          <p:cNvSpPr>
-            <a:spLocks noGrp="1"/>
-          </p:cNvSpPr>
-          <p:nvPr>
-            <p:ph idx="1"/>
-          </p:nvPr>
-        </p:nvSpPr>
-        <p:spPr>
-          <a:xfrm>
-            <a:off x="646112" y="927100"/>
-            <a:ext cx="10555288" cy="5562600"/>
-          </a:xfrm>
-        </p:spPr>
-        <p:txBody>
-          <a:bodyPr>
-            <a:normAutofit fontScale="85000" lnSpcReduction="10000"/>
-          </a:bodyPr>
-          <a:lstStyle/>
-          <a:p>
-            <a:r>
-              <a:rPr lang="en-US" b="1" dirty="0" smtClean="0"/>
-              <a:t>User </a:t>
-            </a:r>
-            <a:r>
-              <a:rPr lang="en-US" b="1" dirty="0"/>
-              <a:t>Story </a:t>
-            </a:r>
-            <a:r>
-              <a:rPr lang="en-US" b="1" dirty="0" smtClean="0"/>
-              <a:t>1</a:t>
-            </a:r>
-            <a:endParaRPr lang="en-US" dirty="0"/>
-          </a:p>
-          <a:p>
-            <a:pPr lvl="1"/>
-            <a:r>
-              <a:rPr lang="en-US" dirty="0" smtClean="0"/>
-              <a:t>As </a:t>
-            </a:r>
-            <a:r>
-              <a:rPr lang="en-US" dirty="0"/>
-              <a:t>a user, I want to detect the different user movements of a user during the course of a day, such as Sitting (Straight &amp; Fallback), Standing, Sleeping (Straight &amp; Sideways)</a:t>
-            </a:r>
-          </a:p>
-          <a:p>
-            <a:r>
-              <a:rPr lang="en-US" b="1" dirty="0"/>
-              <a:t>Acceptance </a:t>
-            </a:r>
-            <a:r>
-              <a:rPr lang="en-US" b="1" dirty="0" smtClean="0"/>
-              <a:t>Criteria</a:t>
-            </a:r>
-            <a:endParaRPr lang="en-US" dirty="0"/>
-          </a:p>
-          <a:p>
-            <a:pPr lvl="1"/>
-            <a:r>
-              <a:rPr lang="en-US" dirty="0" smtClean="0"/>
-              <a:t>When </a:t>
-            </a:r>
-            <a:r>
-              <a:rPr lang="en-US" dirty="0"/>
-              <a:t>a person is walking, standing or sleeping, the application should monitor these normal movements continuously</a:t>
-            </a:r>
-          </a:p>
-          <a:p>
-            <a:r>
-              <a:rPr lang="en-US" b="1" dirty="0"/>
-              <a:t>User Story </a:t>
-            </a:r>
-            <a:r>
-              <a:rPr lang="en-US" b="1" dirty="0" smtClean="0"/>
-              <a:t>2</a:t>
-            </a:r>
-            <a:endParaRPr lang="en-US" dirty="0"/>
-          </a:p>
-          <a:p>
-            <a:pPr lvl="1"/>
-            <a:r>
-              <a:rPr lang="en-US" dirty="0" smtClean="0"/>
-              <a:t>As </a:t>
-            </a:r>
-            <a:r>
-              <a:rPr lang="en-US" dirty="0"/>
-              <a:t>a user, I want to be able detect transitions in movement patterns of a user such as from Sitting to Standing; Standing to Walking; Sitting to Sleeping; etc.</a:t>
-            </a:r>
-          </a:p>
-          <a:p>
-            <a:r>
-              <a:rPr lang="en-US" b="1" dirty="0"/>
-              <a:t>Acceptance </a:t>
-            </a:r>
-            <a:r>
-              <a:rPr lang="en-US" b="1" dirty="0" smtClean="0"/>
-              <a:t>Criteria</a:t>
-            </a:r>
-            <a:endParaRPr lang="en-US" dirty="0"/>
-          </a:p>
-          <a:p>
-            <a:pPr lvl="1"/>
-            <a:r>
-              <a:rPr lang="en-US" dirty="0" smtClean="0"/>
-              <a:t>When </a:t>
-            </a:r>
-            <a:r>
-              <a:rPr lang="en-US" dirty="0"/>
-              <a:t>a person makes a transition from type of movement to another, the application should monitor and check for the change in acceleration of the user continuously, and differentiate between normal transitions and fall transitions</a:t>
-            </a:r>
-          </a:p>
-          <a:p>
-            <a:r>
-              <a:rPr lang="en-US" b="1" dirty="0"/>
-              <a:t>User Story </a:t>
-            </a:r>
-            <a:r>
-              <a:rPr lang="en-US" b="1" dirty="0" smtClean="0"/>
-              <a:t>3</a:t>
-            </a:r>
-            <a:endParaRPr lang="en-US" dirty="0"/>
-          </a:p>
-          <a:p>
-            <a:pPr lvl="1"/>
-            <a:r>
-              <a:rPr lang="en-US" dirty="0" smtClean="0"/>
-              <a:t>As </a:t>
-            </a:r>
-            <a:r>
-              <a:rPr lang="en-US" dirty="0"/>
-              <a:t>a user, I want to know if the user's transition indicates a fall and the application should make an emergency alert.</a:t>
-            </a:r>
-          </a:p>
-          <a:p>
-            <a:r>
-              <a:rPr lang="en-US" b="1" dirty="0"/>
-              <a:t>Acceptance </a:t>
-            </a:r>
-            <a:r>
-              <a:rPr lang="en-US" b="1" dirty="0" smtClean="0"/>
-              <a:t>Criteria</a:t>
-            </a:r>
-            <a:endParaRPr lang="en-US" dirty="0"/>
-          </a:p>
-          <a:p>
-            <a:pPr lvl="1"/>
-            <a:r>
-              <a:rPr lang="en-US" dirty="0" smtClean="0"/>
-              <a:t>Application </a:t>
-            </a:r>
-            <a:r>
-              <a:rPr lang="en-US" dirty="0"/>
-              <a:t>should monitor the user acceleration and correctly indicate, if the user has fallen, based on sudden increase in acceleration by checking a threshold </a:t>
-            </a:r>
-            <a:r>
-              <a:rPr lang="en-US" dirty="0" smtClean="0"/>
-              <a:t>value</a:t>
-            </a:r>
-            <a:endParaRPr lang="en-US" dirty="0"/>
-          </a:p>
-        </p:txBody>
-      </p:sp>
-    </p:spTree>
-    <p:extLst>
-      <p:ext uri="{BB962C8B-B14F-4D97-AF65-F5344CB8AC3E}">
-        <p14:creationId xmlns:p14="http://schemas.microsoft.com/office/powerpoint/2010/main" val="224552334"/>
-      </p:ext>
-    </p:extLst>
-  </p:cSld>
-  <p:clrMapOvr>
-    <a:masterClrMapping/>
-  </p:clrMapOvr>
-</p:sld>
-</file>
-
-<file path=ppt/slides/slide4.xml><?xml version="1.0" encoding="utf-8"?>
-<p:sld xmlns:a="http://schemas.openxmlformats.org/drawingml/2006/main" xmlns:r="http://schemas.openxmlformats.org/officeDocument/2006/relationships" xmlns:p="http://schemas.openxmlformats.org/presentationml/2006/main">
-  <p:cSld>
-    <p:spTree>
-      <p:nvGrpSpPr>
-        <p:cNvPr id="1" name=""/>
-        <p:cNvGrpSpPr/>
-        <p:nvPr/>
-      </p:nvGrpSpPr>
-      <p:grpSpPr>
-        <a:xfrm>
-          <a:off x="0" y="0"/>
-          <a:ext cx="0" cy="0"/>
-          <a:chOff x="0" y="0"/>
-          <a:chExt cx="0" cy="0"/>
-        </a:xfrm>
-      </p:grpSpPr>
-      <p:sp>
-        <p:nvSpPr>
-          <p:cNvPr id="2" name="Title 1"/>
-          <p:cNvSpPr>
-            <a:spLocks noGrp="1"/>
-          </p:cNvSpPr>
-          <p:nvPr>
-            <p:ph type="title"/>
-          </p:nvPr>
-        </p:nvSpPr>
-        <p:spPr>
-          <a:xfrm>
-            <a:off x="646111" y="452718"/>
-            <a:ext cx="9404723" cy="918882"/>
-          </a:xfrm>
-        </p:spPr>
-        <p:txBody>
-          <a:bodyPr/>
-          <a:lstStyle/>
-          <a:p>
-            <a:r>
-              <a:rPr lang="en-US" dirty="0" smtClean="0"/>
-              <a:t>Architecture Design</a:t>
-            </a:r>
-            <a:endParaRPr lang="en-US" dirty="0"/>
-          </a:p>
-        </p:txBody>
-      </p:sp>
-      <p:sp>
-        <p:nvSpPr>
-          <p:cNvPr id="3" name="Content Placeholder 2"/>
-          <p:cNvSpPr>
-            <a:spLocks noGrp="1"/>
-          </p:cNvSpPr>
-          <p:nvPr>
-            <p:ph idx="1"/>
-          </p:nvPr>
-        </p:nvSpPr>
-        <p:spPr>
-          <a:xfrm>
-            <a:off x="482600" y="1765300"/>
-            <a:ext cx="9567253" cy="4483099"/>
-          </a:xfrm>
-        </p:spPr>
-        <p:txBody>
-          <a:bodyPr/>
-          <a:lstStyle/>
-          <a:p>
-            <a:r>
-              <a:rPr lang="en-US" dirty="0" smtClean="0"/>
-              <a:t>Application opens and connects to Metawear device via BLE</a:t>
-            </a:r>
-          </a:p>
-          <a:p>
-            <a:r>
-              <a:rPr lang="en-US" dirty="0" smtClean="0"/>
-              <a:t>Continuously track user acceleration and changes in user acceleration</a:t>
-            </a:r>
-          </a:p>
-          <a:p>
-            <a:r>
-              <a:rPr lang="en-US" dirty="0" smtClean="0"/>
-              <a:t>Compare acceleration with threshold value and monitor transitions in user movements</a:t>
-            </a:r>
-          </a:p>
-          <a:p>
-            <a:r>
-              <a:rPr lang="en-US" dirty="0" smtClean="0"/>
-              <a:t>In case the threshold value is reached or exceeded, identify the user has suffered a fall, and raise an alert</a:t>
-            </a:r>
-          </a:p>
-          <a:p>
-            <a:r>
-              <a:rPr lang="en-US" dirty="0" smtClean="0"/>
-              <a:t>Send an alert message</a:t>
-            </a:r>
-            <a:endParaRPr lang="en-US" dirty="0"/>
-          </a:p>
-        </p:txBody>
-      </p:sp>
-    </p:spTree>
-    <p:extLst>
-      <p:ext uri="{BB962C8B-B14F-4D97-AF65-F5344CB8AC3E}">
-        <p14:creationId xmlns:p14="http://schemas.microsoft.com/office/powerpoint/2010/main" val="643652878"/>
-      </p:ext>
-    </p:extLst>
-  </p:cSld>
-  <p:clrMapOvr>
-    <a:masterClrMapping/>
-  </p:clrMapOvr>
-</p:sld>
-</file>
-
-<file path=ppt/slides/slide5.xml><?xml version="1.0" encoding="utf-8"?>
 <p:sld xmlns:a="http://schemas.openxmlformats.org/drawingml/2006/main" xmlns:r="http://schemas.openxmlformats.org/officeDocument/2006/relationships" xmlns:p="http://schemas.openxmlformats.org/presentationml/2006/main">
   <p:cSld>
     <p:spTree>
@@ -7392,17 +7588,24 @@
     </p:spTree>
     <p:extLst>
       <p:ext uri="{BB962C8B-B14F-4D97-AF65-F5344CB8AC3E}">
-        <p14:creationId xmlns:p14="http://schemas.microsoft.com/office/powerpoint/2010/main" val="268399042"/>
+        <p14:creationId xmlns:p14="http://schemas.microsoft.com/office/powerpoint/2010/main" val="280700678"/>
       </p:ext>
     </p:extLst>
   </p:cSld>
   <p:clrMapOvr>
     <a:masterClrMapping/>
   </p:clrMapOvr>
+  <p:timing>
+    <p:tnLst>
+      <p:par>
+        <p:cTn id="1" dur="indefinite" restart="never" nodeType="tmRoot"/>
+      </p:par>
+    </p:tnLst>
+  </p:timing>
 </p:sld>
 </file>
 
-<file path=ppt/slides/slide6.xml><?xml version="1.0" encoding="utf-8"?>
+<file path=ppt/slides/slide4.xml><?xml version="1.0" encoding="utf-8"?>
 <p:sld xmlns:a="http://schemas.openxmlformats.org/drawingml/2006/main" xmlns:r="http://schemas.openxmlformats.org/officeDocument/2006/relationships" xmlns:p="http://schemas.openxmlformats.org/presentationml/2006/main">
   <p:cSld>
     <p:spTree>
@@ -7432,6 +7635,101 @@
         <p:spPr>
           <a:xfrm>
             <a:off x="633411" y="147918"/>
+            <a:ext cx="9404723" cy="804582"/>
+          </a:xfrm>
+        </p:spPr>
+        <p:txBody>
+          <a:bodyPr/>
+          <a:lstStyle/>
+          <a:p>
+            <a:r>
+              <a:rPr lang="en-US" dirty="0" smtClean="0"/>
+              <a:t>Transitions in User Movement</a:t>
+            </a:r>
+            <a:endParaRPr lang="en-US" dirty="0"/>
+          </a:p>
+        </p:txBody>
+      </p:sp>
+      <p:pic>
+        <p:nvPicPr>
+          <p:cNvPr id="3" name="Picture 2"/>
+          <p:cNvPicPr>
+            <a:picLocks noChangeAspect="1"/>
+          </p:cNvPicPr>
+          <p:nvPr/>
+        </p:nvPicPr>
+        <p:blipFill>
+          <a:blip r:embed="rId2">
+            <a:extLst>
+              <a:ext uri="{28A0092B-C50C-407E-A947-70E740481C1C}">
+                <a14:useLocalDpi xmlns:a14="http://schemas.microsoft.com/office/drawing/2010/main" val="0"/>
+              </a:ext>
+            </a:extLst>
+          </a:blip>
+          <a:stretch>
+            <a:fillRect/>
+          </a:stretch>
+        </p:blipFill>
+        <p:spPr>
+          <a:xfrm>
+            <a:off x="312151" y="952500"/>
+            <a:ext cx="9841553" cy="5739063"/>
+          </a:xfrm>
+          <a:prstGeom prst="rect">
+            <a:avLst/>
+          </a:prstGeom>
+        </p:spPr>
+      </p:pic>
+    </p:spTree>
+    <p:extLst>
+      <p:ext uri="{BB962C8B-B14F-4D97-AF65-F5344CB8AC3E}">
+        <p14:creationId xmlns:p14="http://schemas.microsoft.com/office/powerpoint/2010/main" val="1862206334"/>
+      </p:ext>
+    </p:extLst>
+  </p:cSld>
+  <p:clrMapOvr>
+    <a:masterClrMapping/>
+  </p:clrMapOvr>
+  <p:timing>
+    <p:tnLst>
+      <p:par>
+        <p:cTn id="1" dur="indefinite" restart="never" nodeType="tmRoot"/>
+      </p:par>
+    </p:tnLst>
+  </p:timing>
+</p:sld>
+</file>
+
+<file path=ppt/slides/slide5.xml><?xml version="1.0" encoding="utf-8"?>
+<p:sld xmlns:a="http://schemas.openxmlformats.org/drawingml/2006/main" xmlns:r="http://schemas.openxmlformats.org/officeDocument/2006/relationships" xmlns:p="http://schemas.openxmlformats.org/presentationml/2006/main">
+  <p:cSld>
+    <p:spTree>
+      <p:nvGrpSpPr>
+        <p:cNvPr id="1" name=""/>
+        <p:cNvGrpSpPr/>
+        <p:nvPr/>
+      </p:nvGrpSpPr>
+      <p:grpSpPr>
+        <a:xfrm>
+          <a:off x="0" y="0"/>
+          <a:ext cx="0" cy="0"/>
+          <a:chOff x="0" y="0"/>
+          <a:chExt cx="0" cy="0"/>
+        </a:xfrm>
+      </p:grpSpPr>
+      <p:sp>
+        <p:nvSpPr>
+          <p:cNvPr id="2" name="Title 1"/>
+          <p:cNvSpPr>
+            <a:spLocks noGrp="1"/>
+          </p:cNvSpPr>
+          <p:nvPr>
+            <p:ph type="title"/>
+          </p:nvPr>
+        </p:nvSpPr>
+        <p:spPr>
+          <a:xfrm>
+            <a:off x="621379" y="448707"/>
             <a:ext cx="9404723" cy="804582"/>
           </a:xfrm>
         </p:spPr>
@@ -7469,38 +7767,8 @@
         </p:blipFill>
         <p:spPr>
           <a:xfrm>
-            <a:off x="304800" y="838200"/>
-            <a:ext cx="6457551" cy="5905500"/>
-          </a:xfrm>
-          <a:prstGeom prst="rect">
-            <a:avLst/>
-          </a:prstGeom>
-        </p:spPr>
-      </p:pic>
-      <p:pic>
-        <p:nvPicPr>
-          <p:cNvPr id="5" name="Picture 4"/>
-          <p:cNvPicPr>
-            <a:picLocks noChangeAspect="1"/>
-          </p:cNvPicPr>
-          <p:nvPr/>
-        </p:nvPicPr>
-        <p:blipFill>
-          <a:blip r:embed="rId3">
-            <a:extLst>
-              <a:ext uri="{28A0092B-C50C-407E-A947-70E740481C1C}">
-                <a14:useLocalDpi xmlns:a14="http://schemas.microsoft.com/office/drawing/2010/main" val="0"/>
-              </a:ext>
-            </a:extLst>
-          </a:blip>
-          <a:stretch>
-            <a:fillRect/>
-          </a:stretch>
-        </p:blipFill>
-        <p:spPr>
-          <a:xfrm>
-            <a:off x="6762351" y="2717800"/>
-            <a:ext cx="5508660" cy="1130300"/>
+            <a:off x="901700" y="2251910"/>
+            <a:ext cx="10058400" cy="2780186"/>
           </a:xfrm>
           <a:prstGeom prst="rect">
             <a:avLst/>
@@ -7510,17 +7778,24 @@
     </p:spTree>
     <p:extLst>
       <p:ext uri="{BB962C8B-B14F-4D97-AF65-F5344CB8AC3E}">
-        <p14:creationId xmlns:p14="http://schemas.microsoft.com/office/powerpoint/2010/main" val="1735902769"/>
+        <p14:creationId xmlns:p14="http://schemas.microsoft.com/office/powerpoint/2010/main" val="82593061"/>
       </p:ext>
     </p:extLst>
   </p:cSld>
   <p:clrMapOvr>
     <a:masterClrMapping/>
   </p:clrMapOvr>
+  <p:timing>
+    <p:tnLst>
+      <p:par>
+        <p:cTn id="1" dur="indefinite" restart="never" nodeType="tmRoot"/>
+      </p:par>
+    </p:tnLst>
+  </p:timing>
 </p:sld>
 </file>
 
-<file path=ppt/slides/slide7.xml><?xml version="1.0" encoding="utf-8"?>
+<file path=ppt/slides/slide6.xml><?xml version="1.0" encoding="utf-8"?>
 <p:sld xmlns:a="http://schemas.openxmlformats.org/drawingml/2006/main" xmlns:r="http://schemas.openxmlformats.org/officeDocument/2006/relationships" xmlns:p="http://schemas.openxmlformats.org/presentationml/2006/main">
   <p:cSld>
     <p:spTree>
@@ -7854,17 +8129,24 @@
     </p:spTree>
     <p:extLst>
       <p:ext uri="{BB962C8B-B14F-4D97-AF65-F5344CB8AC3E}">
-        <p14:creationId xmlns:p14="http://schemas.microsoft.com/office/powerpoint/2010/main" val="1375623566"/>
+        <p14:creationId xmlns:p14="http://schemas.microsoft.com/office/powerpoint/2010/main" val="675184160"/>
       </p:ext>
     </p:extLst>
   </p:cSld>
   <p:clrMapOvr>
     <a:masterClrMapping/>
   </p:clrMapOvr>
+  <p:timing>
+    <p:tnLst>
+      <p:par>
+        <p:cTn id="1" dur="indefinite" restart="never" nodeType="tmRoot"/>
+      </p:par>
+    </p:tnLst>
+  </p:timing>
 </p:sld>
 </file>
 
-<file path=ppt/slides/slide8.xml><?xml version="1.0" encoding="utf-8"?>
+<file path=ppt/slides/slide7.xml><?xml version="1.0" encoding="utf-8"?>
 <p:sld xmlns:a="http://schemas.openxmlformats.org/drawingml/2006/main" xmlns:r="http://schemas.openxmlformats.org/officeDocument/2006/relationships" xmlns:p="http://schemas.openxmlformats.org/presentationml/2006/main">
   <p:cSld>
     <p:spTree>
@@ -8188,13 +8470,152 @@
     </p:spTree>
     <p:extLst>
       <p:ext uri="{BB962C8B-B14F-4D97-AF65-F5344CB8AC3E}">
-        <p14:creationId xmlns:p14="http://schemas.microsoft.com/office/powerpoint/2010/main" val="418488249"/>
+        <p14:creationId xmlns:p14="http://schemas.microsoft.com/office/powerpoint/2010/main" val="516586372"/>
       </p:ext>
     </p:extLst>
   </p:cSld>
   <p:clrMapOvr>
     <a:masterClrMapping/>
   </p:clrMapOvr>
+  <p:timing>
+    <p:tnLst>
+      <p:par>
+        <p:cTn id="1" dur="indefinite" restart="never" nodeType="tmRoot"/>
+      </p:par>
+    </p:tnLst>
+  </p:timing>
+</p:sld>
+</file>
+
+<file path=ppt/slides/slide8.xml><?xml version="1.0" encoding="utf-8"?>
+<p:sld xmlns:a="http://schemas.openxmlformats.org/drawingml/2006/main" xmlns:r="http://schemas.openxmlformats.org/officeDocument/2006/relationships" xmlns:p="http://schemas.openxmlformats.org/presentationml/2006/main">
+  <p:cSld>
+    <p:spTree>
+      <p:nvGrpSpPr>
+        <p:cNvPr id="1" name=""/>
+        <p:cNvGrpSpPr/>
+        <p:nvPr/>
+      </p:nvGrpSpPr>
+      <p:grpSpPr>
+        <a:xfrm>
+          <a:off x="0" y="0"/>
+          <a:ext cx="0" cy="0"/>
+          <a:chOff x="0" y="0"/>
+          <a:chExt cx="0" cy="0"/>
+        </a:xfrm>
+      </p:grpSpPr>
+      <p:sp>
+        <p:nvSpPr>
+          <p:cNvPr id="2" name="Title 1"/>
+          <p:cNvSpPr>
+            <a:spLocks noGrp="1"/>
+          </p:cNvSpPr>
+          <p:nvPr>
+            <p:ph type="title"/>
+          </p:nvPr>
+        </p:nvSpPr>
+        <p:spPr/>
+        <p:txBody>
+          <a:bodyPr/>
+          <a:lstStyle/>
+          <a:p>
+            <a:r>
+              <a:rPr lang="en-US" dirty="0" smtClean="0"/>
+              <a:t>User </a:t>
+            </a:r>
+            <a:r>
+              <a:rPr lang="en-US" smtClean="0"/>
+              <a:t>Story 1</a:t>
+            </a:r>
+            <a:endParaRPr lang="en-US" dirty="0"/>
+          </a:p>
+        </p:txBody>
+      </p:sp>
+      <p:sp>
+        <p:nvSpPr>
+          <p:cNvPr id="3" name="Content Placeholder 2"/>
+          <p:cNvSpPr>
+            <a:spLocks noGrp="1"/>
+          </p:cNvSpPr>
+          <p:nvPr>
+            <p:ph idx="1"/>
+          </p:nvPr>
+        </p:nvSpPr>
+        <p:spPr/>
+        <p:txBody>
+          <a:bodyPr/>
+          <a:lstStyle/>
+          <a:p>
+            <a:r>
+              <a:rPr lang="en-US" b="1" dirty="0"/>
+              <a:t>User Story 1</a:t>
+            </a:r>
+            <a:endParaRPr lang="en-US" dirty="0"/>
+          </a:p>
+          <a:p>
+            <a:pPr lvl="1"/>
+            <a:r>
+              <a:rPr lang="en-US" dirty="0"/>
+              <a:t>As a user, I want to </a:t>
+            </a:r>
+            <a:r>
+              <a:rPr lang="en-US" dirty="0" smtClean="0"/>
+              <a:t>identify the </a:t>
+            </a:r>
+            <a:r>
+              <a:rPr lang="en-US" dirty="0"/>
+              <a:t>different user movements of a </a:t>
+            </a:r>
+            <a:r>
+              <a:rPr lang="en-US" dirty="0" smtClean="0"/>
+              <a:t>user, such </a:t>
+            </a:r>
+            <a:r>
+              <a:rPr lang="en-US" dirty="0"/>
+              <a:t>as Sitting (Straight &amp; Fallback), Standing, Sleeping (Straight &amp; Sideways</a:t>
+            </a:r>
+            <a:r>
+              <a:rPr lang="en-US" dirty="0" smtClean="0"/>
+              <a:t>) and continuously stream accelerometer data</a:t>
+            </a:r>
+            <a:endParaRPr lang="en-US" dirty="0"/>
+          </a:p>
+          <a:p>
+            <a:r>
+              <a:rPr lang="en-US" b="1" dirty="0"/>
+              <a:t>Acceptance Criteria</a:t>
+            </a:r>
+            <a:endParaRPr lang="en-US" dirty="0"/>
+          </a:p>
+          <a:p>
+            <a:pPr lvl="1"/>
+            <a:r>
+              <a:rPr lang="en-US" dirty="0"/>
+              <a:t>When a person is walking, standing or sleeping, the application should monitor these normal movements continuously</a:t>
+            </a:r>
+          </a:p>
+          <a:p>
+            <a:endParaRPr lang="en-US" dirty="0"/>
+          </a:p>
+        </p:txBody>
+      </p:sp>
+    </p:spTree>
+    <p:extLst>
+      <p:ext uri="{BB962C8B-B14F-4D97-AF65-F5344CB8AC3E}">
+        <p14:creationId xmlns:p14="http://schemas.microsoft.com/office/powerpoint/2010/main" val="2101132673"/>
+      </p:ext>
+    </p:extLst>
+  </p:cSld>
+  <p:clrMapOvr>
+    <a:masterClrMapping/>
+  </p:clrMapOvr>
+  <p:timing>
+    <p:tnLst>
+      <p:par>
+        <p:cTn id="1" dur="indefinite" restart="never" nodeType="tmRoot"/>
+      </p:par>
+    </p:tnLst>
+  </p:timing>
 </p:sld>
 </file>
 
@@ -8225,39 +8646,67 @@
             <p:ph type="title"/>
           </p:nvPr>
         </p:nvSpPr>
-        <p:spPr>
-          <a:xfrm>
-            <a:off x="1192211" y="2662518"/>
-            <a:ext cx="9404723" cy="3090582"/>
-          </a:xfrm>
-        </p:spPr>
+        <p:spPr/>
         <p:txBody>
           <a:bodyPr/>
           <a:lstStyle/>
           <a:p>
             <a:r>
+              <a:rPr lang="en-US" dirty="0" smtClean="0"/>
+              <a:t>User Story 2 </a:t>
+            </a:r>
+            <a:endParaRPr lang="en-US" dirty="0"/>
+          </a:p>
+        </p:txBody>
+      </p:sp>
+      <p:sp>
+        <p:nvSpPr>
+          <p:cNvPr id="3" name="Content Placeholder 2"/>
+          <p:cNvSpPr>
+            <a:spLocks noGrp="1"/>
+          </p:cNvSpPr>
+          <p:nvPr>
+            <p:ph idx="1"/>
+          </p:nvPr>
+        </p:nvSpPr>
+        <p:spPr/>
+        <p:txBody>
+          <a:bodyPr/>
+          <a:lstStyle/>
+          <a:p>
+            <a:r>
+              <a:rPr lang="en-US" b="1" dirty="0"/>
+              <a:t>User Story 2</a:t>
+            </a:r>
+            <a:endParaRPr lang="en-US" dirty="0"/>
+          </a:p>
+          <a:p>
+            <a:pPr lvl="1"/>
+            <a:r>
               <a:rPr lang="en-US" dirty="0"/>
-              <a:t>All graphs in Link below:</a:t>
-            </a:r>
-            <a:br>
+              <a:t>As a user, I want to be able detect transitions in movement patterns of a user such as from Sitting to Standing; Standing to Walking; Sitting to Sleeping</a:t>
+            </a:r>
+            <a:r>
+              <a:rPr lang="en-US" dirty="0" smtClean="0"/>
+              <a:t>; etc. to reduce false positives</a:t>
+            </a:r>
+            <a:endParaRPr lang="en-US" dirty="0"/>
+          </a:p>
+          <a:p>
+            <a:r>
+              <a:rPr lang="en-US" b="1" dirty="0"/>
+              <a:t>Acceptance Criteria</a:t>
+            </a:r>
+            <a:endParaRPr lang="en-US" dirty="0"/>
+          </a:p>
+          <a:p>
+            <a:pPr lvl="1"/>
+            <a:r>
               <a:rPr lang="en-US" dirty="0"/>
-            </a:br>
-            <a:r>
-              <a:rPr lang="en-US" dirty="0"/>
-              <a:t> </a:t>
-            </a:r>
-            <a:r>
-              <a:rPr lang="en-US" dirty="0">
-                <a:hlinkClick r:id="rId2"/>
-              </a:rPr>
-              <a:t>https://</a:t>
-            </a:r>
-            <a:r>
-              <a:rPr lang="en-US" dirty="0" smtClean="0">
-                <a:hlinkClick r:id="rId2"/>
-              </a:rPr>
-              <a:t>github.com/Narahari-Sundaragopalan/eGuard/tree/master/data-source</a:t>
-            </a:r>
+              <a:t>When a person makes a transition from type of movement to another, the application should monitor and check for the change in acceleration of the user continuously, and differentiate between normal transitions and fall transitions</a:t>
+            </a:r>
+          </a:p>
+          <a:p>
             <a:endParaRPr lang="en-US" dirty="0"/>
           </a:p>
         </p:txBody>
@@ -8265,13 +8714,20 @@
     </p:spTree>
     <p:extLst>
       <p:ext uri="{BB962C8B-B14F-4D97-AF65-F5344CB8AC3E}">
-        <p14:creationId xmlns:p14="http://schemas.microsoft.com/office/powerpoint/2010/main" val="1534308390"/>
+        <p14:creationId xmlns:p14="http://schemas.microsoft.com/office/powerpoint/2010/main" val="161213232"/>
       </p:ext>
     </p:extLst>
   </p:cSld>
   <p:clrMapOvr>
     <a:masterClrMapping/>
   </p:clrMapOvr>
+  <p:timing>
+    <p:tnLst>
+      <p:par>
+        <p:cTn id="1" dur="indefinite" restart="never" nodeType="tmRoot"/>
+      </p:par>
+    </p:tnLst>
+  </p:timing>
 </p:sld>
 </file>
 
